--- a/resources/assets/document-templates/pt-PT/new.pptx
+++ b/resources/assets/document-templates/pt-PT/new.pptx
@@ -142,7 +142,7 @@
       </p:grpSpPr>
       <p:sp>
         <p:nvSpPr>
-          <p:cNvPr id="2" name="Header Placeholder 1"/>
+          <p:cNvPr id="2" name="Espaço reservado para o cabeçalho 1"/>
           <p:cNvSpPr>
             <a:spLocks noGrp="1"/>
           </p:cNvSpPr>
@@ -173,7 +173,7 @@
       </p:sp>
       <p:sp>
         <p:nvSpPr>
-          <p:cNvPr id="3" name="Date Placeholder 2"/>
+          <p:cNvPr id="3" name="Espaço reservado para a data 2"/>
           <p:cNvSpPr>
             <a:spLocks noGrp="1"/>
           </p:cNvSpPr>
@@ -208,7 +208,7 @@
       </p:sp>
       <p:sp>
         <p:nvSpPr>
-          <p:cNvPr id="4" name="Slide Image Placeholder 3"/>
+          <p:cNvPr id="4" name="Espaço reservado para imagem de diapositivo 3"/>
           <p:cNvSpPr>
             <a:spLocks noGrp="1" noRot="1" noChangeAspect="1"/>
           </p:cNvSpPr>
@@ -241,7 +241,7 @@
       </p:sp>
       <p:sp>
         <p:nvSpPr>
-          <p:cNvPr id="5" name="Notes Placeholder 4"/>
+          <p:cNvPr id="5" name="Espaço reservado às notas 4"/>
           <p:cNvSpPr>
             <a:spLocks noGrp="1"/>
           </p:cNvSpPr>
@@ -265,35 +265,35 @@
             <a:pPr lvl="0"/>
             <a:r>
               <a:rPr lang="pt-PT" smtClean="0"/>
-              <a:t>Click to edit Master text styles</a:t>
+              <a:t>Clique para editar os estilos</a:t>
             </a:r>
           </a:p>
           <a:p>
             <a:pPr lvl="1"/>
             <a:r>
               <a:rPr lang="pt-PT" smtClean="0"/>
-              <a:t>Second level</a:t>
+              <a:t>Segundo nível</a:t>
             </a:r>
           </a:p>
           <a:p>
             <a:pPr lvl="2"/>
             <a:r>
               <a:rPr lang="pt-PT" smtClean="0"/>
-              <a:t>Third level</a:t>
+              <a:t>Terceiro nível</a:t>
             </a:r>
           </a:p>
           <a:p>
             <a:pPr lvl="3"/>
             <a:r>
               <a:rPr lang="pt-PT" smtClean="0"/>
-              <a:t>Fourth level</a:t>
+              <a:t>Quarto nível</a:t>
             </a:r>
           </a:p>
           <a:p>
             <a:pPr lvl="4"/>
             <a:r>
               <a:rPr lang="pt-PT" smtClean="0"/>
-              <a:t>Fifth level</a:t>
+              <a:t>Quinto nível</a:t>
             </a:r>
             <a:endParaRPr lang="pt-PT"/>
           </a:p>
@@ -301,7 +301,7 @@
       </p:sp>
       <p:sp>
         <p:nvSpPr>
-          <p:cNvPr id="6" name="Footer Placeholder 5"/>
+          <p:cNvPr id="6" name="Espaço reservado ao rodapé 5"/>
           <p:cNvSpPr>
             <a:spLocks noGrp="1"/>
           </p:cNvSpPr>
@@ -332,7 +332,7 @@
       </p:sp>
       <p:sp>
         <p:nvSpPr>
-          <p:cNvPr id="7" name="Slide Number Placeholder 6"/>
+          <p:cNvPr id="7" name="Espaço reservado para o número do diapositivo 6"/>
           <p:cNvSpPr>
             <a:spLocks noGrp="1"/>
           </p:cNvSpPr>
@@ -487,7 +487,7 @@
       </p:grpSpPr>
       <p:sp>
         <p:nvSpPr>
-          <p:cNvPr id="2" name="Slide Image Placeholder 1"/>
+          <p:cNvPr id="2" name="Espaço reservado para imagem de diapositivo 1"/>
           <p:cNvSpPr>
             <a:spLocks noGrp="1" noRot="1" noChangeAspect="1"/>
           </p:cNvSpPr>
@@ -1004,7 +1004,7 @@
             <a:pPr lvl="2"/>
             <a:r>
               <a:rPr lang="pt-PT" smtClean="0"/>
-              <a:t>Third Terceiro nível</a:t>
+              <a:t>Terceiro nível</a:t>
             </a:r>
           </a:p>
           <a:p>
@@ -1435,7 +1435,7 @@
             <a:pPr lvl="0"/>
             <a:r>
               <a:rPr lang="pt-PT" smtClean="0"/>
-              <a:t>Click to edit Master text styles</a:t>
+              <a:t>Clique para editar os estilos</a:t>
             </a:r>
           </a:p>
         </p:txBody>
@@ -2715,7 +2715,7 @@
           <a:p>
             <a:r>
               <a:rPr lang="pt-PT" smtClean="0"/>
-              <a:t>Click icon to add picture</a:t>
+              <a:t>Clique no ícone para adicionar imagem</a:t>
             </a:r>
             <a:endParaRPr lang="pt-PT" dirty="0"/>
           </a:p>
@@ -2888,7 +2888,7 @@
       </p:grpSpPr>
       <p:sp>
         <p:nvSpPr>
-          <p:cNvPr id="2" name="Title Placeholder 1"/>
+          <p:cNvPr id="2" name="Marcador de Posição do Título 1"/>
           <p:cNvSpPr>
             <a:spLocks noGrp="1"/>
           </p:cNvSpPr>
@@ -2912,16 +2912,16 @@
           <a:lstStyle/>
           <a:p>
             <a:r>
-              <a:rPr lang="pt-PT" smtClean="0"/>
-              <a:t>Click to edit Master title style</a:t>
-            </a:r>
-            <a:endParaRPr lang="pt-PT" dirty="0"/>
-          </a:p>
-        </p:txBody>
-      </p:sp>
-      <p:sp>
-        <p:nvSpPr>
-          <p:cNvPr id="3" name="Text Placeholder 2"/>
+              <a:rPr lang="pt-BR" smtClean="0"/>
+              <a:t>Clique para editar o estilo</a:t>
+            </a:r>
+            <a:endParaRPr lang="pt-BR" dirty="0"/>
+          </a:p>
+        </p:txBody>
+      </p:sp>
+      <p:sp>
+        <p:nvSpPr>
+          <p:cNvPr id="3" name="Marcador de Posição do Texto 2"/>
           <p:cNvSpPr>
             <a:spLocks noGrp="1"/>
           </p:cNvSpPr>
@@ -2946,44 +2946,44 @@
           <a:p>
             <a:pPr lvl="0"/>
             <a:r>
-              <a:rPr lang="pt-PT" smtClean="0"/>
-              <a:t>Click to edit Master text styles</a:t>
+              <a:rPr lang="pt-BR" smtClean="0"/>
+              <a:t>Clique para editar os estilos</a:t>
             </a:r>
           </a:p>
           <a:p>
             <a:pPr lvl="1"/>
             <a:r>
-              <a:rPr lang="pt-PT" smtClean="0"/>
-              <a:t>Second level</a:t>
+              <a:rPr lang="pt-BR" smtClean="0"/>
+              <a:t>Segundo nível</a:t>
             </a:r>
           </a:p>
           <a:p>
             <a:pPr lvl="2"/>
             <a:r>
-              <a:rPr lang="pt-PT" smtClean="0"/>
-              <a:t>Third level</a:t>
+              <a:rPr lang="pt-BR" smtClean="0"/>
+              <a:t>Terceiro nível</a:t>
             </a:r>
           </a:p>
           <a:p>
             <a:pPr lvl="3"/>
             <a:r>
-              <a:rPr lang="pt-PT" smtClean="0"/>
-              <a:t>Fourth level</a:t>
+              <a:rPr lang="pt-BR" smtClean="0"/>
+              <a:t>Quarto nível</a:t>
             </a:r>
           </a:p>
           <a:p>
             <a:pPr lvl="4"/>
             <a:r>
-              <a:rPr lang="pt-PT" smtClean="0"/>
-              <a:t>Fifth level</a:t>
-            </a:r>
-            <a:endParaRPr lang="pt-PT" dirty="0"/>
-          </a:p>
-        </p:txBody>
-      </p:sp>
-      <p:sp>
-        <p:nvSpPr>
-          <p:cNvPr id="4" name="Date Placeholder 3"/>
+              <a:rPr lang="pt-BR" smtClean="0"/>
+              <a:t>Quinto nível</a:t>
+            </a:r>
+            <a:endParaRPr lang="pt-BR" dirty="0"/>
+          </a:p>
+        </p:txBody>
+      </p:sp>
+      <p:sp>
+        <p:nvSpPr>
+          <p:cNvPr id="4" name="Marcador de Posição da Data 3"/>
           <p:cNvSpPr>
             <a:spLocks noGrp="1"/>
           </p:cNvSpPr>
@@ -3015,16 +3015,16 @@
           </a:lstStyle>
           <a:p>
             <a:fld id="{BCC18F51-09EC-435C-A3BA-64A766E099C0}" type="datetimeFigureOut">
-              <a:rPr lang="pt-PT" smtClean="0"/>
+              <a:rPr lang="pt-BR" smtClean="0"/>
               <a:t>30.10.2013</a:t>
             </a:fld>
-            <a:endParaRPr lang="pt-PT"/>
-          </a:p>
-        </p:txBody>
-      </p:sp>
-      <p:sp>
-        <p:nvSpPr>
-          <p:cNvPr id="5" name="Footer Placeholder 4"/>
+            <a:endParaRPr lang="pt-BR"/>
+          </a:p>
+        </p:txBody>
+      </p:sp>
+      <p:sp>
+        <p:nvSpPr>
+          <p:cNvPr id="5" name="Marcador de Posição do Rodapé 4"/>
           <p:cNvSpPr>
             <a:spLocks noGrp="1"/>
           </p:cNvSpPr>
@@ -3055,13 +3055,13 @@
             </a:lvl1pPr>
           </a:lstStyle>
           <a:p>
-            <a:endParaRPr lang="pt-PT"/>
-          </a:p>
-        </p:txBody>
-      </p:sp>
-      <p:sp>
-        <p:nvSpPr>
-          <p:cNvPr id="6" name="Slide Number Placeholder 5"/>
+            <a:endParaRPr lang="pt-BR"/>
+          </a:p>
+        </p:txBody>
+      </p:sp>
+      <p:sp>
+        <p:nvSpPr>
+          <p:cNvPr id="6" name="Marcador de Posição do Número do Diapositivo 5"/>
           <p:cNvSpPr>
             <a:spLocks noGrp="1"/>
           </p:cNvSpPr>
@@ -3093,10 +3093,10 @@
           </a:lstStyle>
           <a:p>
             <a:fld id="{08395586-F03A-48D1-94DF-16B239DF4FB5}" type="slidenum">
-              <a:rPr lang="pt-PT" smtClean="0"/>
+              <a:rPr lang="pt-BR" smtClean="0"/>
               <a:t>‹#›</a:t>
             </a:fld>
-            <a:endParaRPr lang="pt-PT"/>
+            <a:endParaRPr lang="pt-BR"/>
           </a:p>
         </p:txBody>
       </p:sp>
@@ -3307,7 +3307,7 @@
     </p:bodyStyle>
     <p:otherStyle>
       <a:defPPr>
-        <a:defRPr lang="pt-PT"/>
+        <a:defRPr lang="pt-BR"/>
       </a:defPPr>
       <a:lvl1pPr marL="0" algn="l" defTabSz="914400" rtl="0" eaLnBrk="1" latinLnBrk="0" hangingPunct="1">
         <a:defRPr sz="1800" kern="1200">
